--- a/D3/PPT01-Kubernetes.pptx
+++ b/D3/PPT01-Kubernetes.pptx
@@ -247,7 +247,7 @@
           <a:p>
             <a:fld id="{20113C94-94BA-419B-BA8F-B470F2B656FD}" type="datetimeFigureOut">
               <a:rPr lang="en-IN" smtClean="0"/>
-              <a:t>02-05-2020</a:t>
+              <a:t>29-08-2025</a:t>
             </a:fld>
             <a:endParaRPr lang="en-IN"/>
           </a:p>
@@ -2575,7 +2575,7 @@
           <a:p>
             <a:fld id="{EC651DDC-3D8E-441D-8B1E-684C450C1B0A}" type="datetimeFigureOut">
               <a:rPr lang="en-US" smtClean="0"/>
-              <a:t>5/2/2020</a:t>
+              <a:t>8/29/2025</a:t>
             </a:fld>
             <a:endParaRPr lang="en-US"/>
           </a:p>
@@ -2743,7 +2743,7 @@
           <a:p>
             <a:fld id="{EC651DDC-3D8E-441D-8B1E-684C450C1B0A}" type="datetimeFigureOut">
               <a:rPr lang="en-US" smtClean="0"/>
-              <a:t>5/2/2020</a:t>
+              <a:t>8/29/2025</a:t>
             </a:fld>
             <a:endParaRPr lang="en-US"/>
           </a:p>
@@ -2921,7 +2921,7 @@
           <a:p>
             <a:fld id="{EC651DDC-3D8E-441D-8B1E-684C450C1B0A}" type="datetimeFigureOut">
               <a:rPr lang="en-US" smtClean="0"/>
-              <a:t>5/2/2020</a:t>
+              <a:t>8/29/2025</a:t>
             </a:fld>
             <a:endParaRPr lang="en-US"/>
           </a:p>
@@ -3112,12 +3112,6 @@
               <a:t>Vishwanath M S</a:t>
             </a:r>
           </a:p>
-          <a:p>
-            <a:r>
-              <a:rPr lang="en-US" dirty="0"/>
-              <a:t>Vishwacloudlab.org</a:t>
-            </a:r>
-          </a:p>
         </p:txBody>
       </p:sp>
       <p:sp>
@@ -3138,7 +3132,7 @@
             <a:fld id="{5B03344B-D0D9-437D-8838-1FD1C4F164B7}" type="datetimeFigureOut">
               <a:rPr lang="en-US" smtClean="0"/>
               <a:pPr/>
-              <a:t>5/2/2020</a:t>
+              <a:t>8/29/2025</a:t>
             </a:fld>
             <a:endParaRPr lang="en-US"/>
           </a:p>
@@ -3319,7 +3313,7 @@
             <a:fld id="{5B03344B-D0D9-437D-8838-1FD1C4F164B7}" type="datetimeFigureOut">
               <a:rPr lang="en-US" smtClean="0"/>
               <a:pPr/>
-              <a:t>5/2/2020</a:t>
+              <a:t>8/29/2025</a:t>
             </a:fld>
             <a:endParaRPr lang="en-US"/>
           </a:p>
@@ -3370,42 +3364,6 @@
               <a:t>‹#›</a:t>
             </a:fld>
             <a:endParaRPr lang="en-US"/>
-          </a:p>
-        </p:txBody>
-      </p:sp>
-      <p:sp>
-        <p:nvSpPr>
-          <p:cNvPr id="8" name="TextBox 7"/>
-          <p:cNvSpPr txBox="1"/>
-          <p:nvPr userDrawn="1"/>
-        </p:nvSpPr>
-        <p:spPr>
-          <a:xfrm>
-            <a:off x="8508989" y="6521337"/>
-            <a:ext cx="3795976" cy="369332"/>
-          </a:xfrm>
-          <a:prstGeom prst="rect">
-            <a:avLst/>
-          </a:prstGeom>
-          <a:noFill/>
-        </p:spPr>
-        <p:txBody>
-          <a:bodyPr wrap="none" rtlCol="0">
-            <a:spAutoFit/>
-          </a:bodyPr>
-          <a:lstStyle/>
-          <a:p>
-            <a:r>
-              <a:rPr lang="en-US" dirty="0">
-                <a:solidFill>
-                  <a:srgbClr val="FFFFFF">
-                    <a:lumMod val="50000"/>
-                  </a:srgbClr>
-                </a:solidFill>
-                <a:latin typeface="Engravers MT" panose="02090707080505020304" pitchFamily="18" charset="0"/>
-              </a:rPr>
-              <a:t>VISHWACLOUDLAB.ORG</a:t>
-            </a:r>
           </a:p>
         </p:txBody>
       </p:sp>
@@ -3699,7 +3657,7 @@
             <a:fld id="{5B03344B-D0D9-437D-8838-1FD1C4F164B7}" type="datetimeFigureOut">
               <a:rPr lang="en-US" smtClean="0"/>
               <a:pPr/>
-              <a:t>5/2/2020</a:t>
+              <a:t>8/29/2025</a:t>
             </a:fld>
             <a:endParaRPr lang="en-US"/>
           </a:p>
@@ -3791,42 +3749,6 @@
           </a:fontRef>
         </p:style>
       </p:cxnSp>
-      <p:sp>
-        <p:nvSpPr>
-          <p:cNvPr id="10" name="TextBox 9"/>
-          <p:cNvSpPr txBox="1"/>
-          <p:nvPr userDrawn="1"/>
-        </p:nvSpPr>
-        <p:spPr>
-          <a:xfrm>
-            <a:off x="8508989" y="6521337"/>
-            <a:ext cx="3795976" cy="369332"/>
-          </a:xfrm>
-          <a:prstGeom prst="rect">
-            <a:avLst/>
-          </a:prstGeom>
-          <a:noFill/>
-        </p:spPr>
-        <p:txBody>
-          <a:bodyPr wrap="none" rtlCol="0">
-            <a:spAutoFit/>
-          </a:bodyPr>
-          <a:lstStyle/>
-          <a:p>
-            <a:r>
-              <a:rPr lang="en-US" dirty="0">
-                <a:solidFill>
-                  <a:srgbClr val="FFFFFF">
-                    <a:lumMod val="85000"/>
-                  </a:srgbClr>
-                </a:solidFill>
-                <a:latin typeface="Engravers MT" panose="02090707080505020304" pitchFamily="18" charset="0"/>
-              </a:rPr>
-              <a:t>VISHWACLOUDLAB.ORG</a:t>
-            </a:r>
-          </a:p>
-        </p:txBody>
-      </p:sp>
     </p:spTree>
     <p:extLst>
       <p:ext uri="{BB962C8B-B14F-4D97-AF65-F5344CB8AC3E}">
@@ -4017,7 +3939,7 @@
             <a:fld id="{5B03344B-D0D9-437D-8838-1FD1C4F164B7}" type="datetimeFigureOut">
               <a:rPr lang="en-US" smtClean="0"/>
               <a:pPr/>
-              <a:t>5/2/2020</a:t>
+              <a:t>8/29/2025</a:t>
             </a:fld>
             <a:endParaRPr lang="en-US"/>
           </a:p>
@@ -4063,42 +3985,6 @@
               <a:t>‹#›</a:t>
             </a:fld>
             <a:endParaRPr lang="en-US"/>
-          </a:p>
-        </p:txBody>
-      </p:sp>
-      <p:sp>
-        <p:nvSpPr>
-          <p:cNvPr id="9" name="TextBox 8"/>
-          <p:cNvSpPr txBox="1"/>
-          <p:nvPr userDrawn="1"/>
-        </p:nvSpPr>
-        <p:spPr>
-          <a:xfrm>
-            <a:off x="8508989" y="6521337"/>
-            <a:ext cx="3795976" cy="369332"/>
-          </a:xfrm>
-          <a:prstGeom prst="rect">
-            <a:avLst/>
-          </a:prstGeom>
-          <a:noFill/>
-        </p:spPr>
-        <p:txBody>
-          <a:bodyPr wrap="none" rtlCol="0">
-            <a:spAutoFit/>
-          </a:bodyPr>
-          <a:lstStyle/>
-          <a:p>
-            <a:r>
-              <a:rPr lang="en-US" dirty="0">
-                <a:solidFill>
-                  <a:srgbClr val="FFFFFF">
-                    <a:lumMod val="50000"/>
-                  </a:srgbClr>
-                </a:solidFill>
-                <a:latin typeface="Engravers MT" panose="02090707080505020304" pitchFamily="18" charset="0"/>
-              </a:rPr>
-              <a:t>VISHWACLOUDLAB.ORG</a:t>
-            </a:r>
           </a:p>
         </p:txBody>
       </p:sp>
@@ -4434,7 +4320,7 @@
             <a:fld id="{5B03344B-D0D9-437D-8838-1FD1C4F164B7}" type="datetimeFigureOut">
               <a:rPr lang="en-US" smtClean="0"/>
               <a:pPr/>
-              <a:t>5/2/2020</a:t>
+              <a:t>8/29/2025</a:t>
             </a:fld>
             <a:endParaRPr lang="en-US"/>
           </a:p>
@@ -4480,42 +4366,6 @@
               <a:t>‹#›</a:t>
             </a:fld>
             <a:endParaRPr lang="en-US"/>
-          </a:p>
-        </p:txBody>
-      </p:sp>
-      <p:sp>
-        <p:nvSpPr>
-          <p:cNvPr id="11" name="TextBox 10"/>
-          <p:cNvSpPr txBox="1"/>
-          <p:nvPr userDrawn="1"/>
-        </p:nvSpPr>
-        <p:spPr>
-          <a:xfrm>
-            <a:off x="8508989" y="6521337"/>
-            <a:ext cx="3795976" cy="369332"/>
-          </a:xfrm>
-          <a:prstGeom prst="rect">
-            <a:avLst/>
-          </a:prstGeom>
-          <a:noFill/>
-        </p:spPr>
-        <p:txBody>
-          <a:bodyPr wrap="none" rtlCol="0">
-            <a:spAutoFit/>
-          </a:bodyPr>
-          <a:lstStyle/>
-          <a:p>
-            <a:r>
-              <a:rPr lang="en-US" dirty="0">
-                <a:solidFill>
-                  <a:srgbClr val="FFFFFF">
-                    <a:lumMod val="50000"/>
-                  </a:srgbClr>
-                </a:solidFill>
-                <a:latin typeface="Engravers MT" panose="02090707080505020304" pitchFamily="18" charset="0"/>
-              </a:rPr>
-              <a:t>VISHWACLOUDLAB.ORG</a:t>
-            </a:r>
           </a:p>
         </p:txBody>
       </p:sp>
@@ -4590,7 +4440,7 @@
             <a:fld id="{5B03344B-D0D9-437D-8838-1FD1C4F164B7}" type="datetimeFigureOut">
               <a:rPr lang="en-US" smtClean="0"/>
               <a:pPr/>
-              <a:t>5/2/2020</a:t>
+              <a:t>8/29/2025</a:t>
             </a:fld>
             <a:endParaRPr lang="en-US"/>
           </a:p>
@@ -4636,42 +4486,6 @@
               <a:t>‹#›</a:t>
             </a:fld>
             <a:endParaRPr lang="en-US"/>
-          </a:p>
-        </p:txBody>
-      </p:sp>
-      <p:sp>
-        <p:nvSpPr>
-          <p:cNvPr id="6" name="TextBox 5"/>
-          <p:cNvSpPr txBox="1"/>
-          <p:nvPr userDrawn="1"/>
-        </p:nvSpPr>
-        <p:spPr>
-          <a:xfrm>
-            <a:off x="8508989" y="6521337"/>
-            <a:ext cx="3795976" cy="369332"/>
-          </a:xfrm>
-          <a:prstGeom prst="rect">
-            <a:avLst/>
-          </a:prstGeom>
-          <a:noFill/>
-        </p:spPr>
-        <p:txBody>
-          <a:bodyPr wrap="none" rtlCol="0">
-            <a:spAutoFit/>
-          </a:bodyPr>
-          <a:lstStyle/>
-          <a:p>
-            <a:r>
-              <a:rPr lang="en-US" dirty="0">
-                <a:solidFill>
-                  <a:srgbClr val="FFFFFF">
-                    <a:lumMod val="50000"/>
-                  </a:srgbClr>
-                </a:solidFill>
-                <a:latin typeface="Engravers MT" panose="02090707080505020304" pitchFamily="18" charset="0"/>
-              </a:rPr>
-              <a:t>VISHWACLOUDLAB.ORG</a:t>
-            </a:r>
           </a:p>
         </p:txBody>
       </p:sp>
@@ -4801,7 +4615,7 @@
             <a:fld id="{5B03344B-D0D9-437D-8838-1FD1C4F164B7}" type="datetimeFigureOut">
               <a:rPr lang="en-US" smtClean="0"/>
               <a:pPr/>
-              <a:t>5/2/2020</a:t>
+              <a:t>8/29/2025</a:t>
             </a:fld>
             <a:endParaRPr lang="en-US"/>
           </a:p>
@@ -4855,42 +4669,6 @@
               <a:t>‹#›</a:t>
             </a:fld>
             <a:endParaRPr lang="en-US"/>
-          </a:p>
-        </p:txBody>
-      </p:sp>
-      <p:sp>
-        <p:nvSpPr>
-          <p:cNvPr id="10" name="TextBox 9"/>
-          <p:cNvSpPr txBox="1"/>
-          <p:nvPr userDrawn="1"/>
-        </p:nvSpPr>
-        <p:spPr>
-          <a:xfrm>
-            <a:off x="8508989" y="6521337"/>
-            <a:ext cx="3795976" cy="369332"/>
-          </a:xfrm>
-          <a:prstGeom prst="rect">
-            <a:avLst/>
-          </a:prstGeom>
-          <a:noFill/>
-        </p:spPr>
-        <p:txBody>
-          <a:bodyPr wrap="none" rtlCol="0">
-            <a:spAutoFit/>
-          </a:bodyPr>
-          <a:lstStyle/>
-          <a:p>
-            <a:r>
-              <a:rPr lang="en-US" dirty="0">
-                <a:solidFill>
-                  <a:srgbClr val="FFFFFF">
-                    <a:lumMod val="85000"/>
-                  </a:srgbClr>
-                </a:solidFill>
-                <a:latin typeface="Engravers MT" panose="02090707080505020304" pitchFamily="18" charset="0"/>
-              </a:rPr>
-              <a:t>VISHWACLOUDLAB.ORG</a:t>
-            </a:r>
           </a:p>
         </p:txBody>
       </p:sp>
@@ -5195,7 +4973,7 @@
             <a:fld id="{5B03344B-D0D9-437D-8838-1FD1C4F164B7}" type="datetimeFigureOut">
               <a:rPr lang="en-US" smtClean="0"/>
               <a:pPr/>
-              <a:t>5/2/2020</a:t>
+              <a:t>8/29/2025</a:t>
             </a:fld>
             <a:endParaRPr lang="en-US"/>
           </a:p>
@@ -5274,42 +5052,6 @@
                 <a:srgbClr val="46464A"/>
               </a:solidFill>
             </a:endParaRPr>
-          </a:p>
-        </p:txBody>
-      </p:sp>
-      <p:sp>
-        <p:nvSpPr>
-          <p:cNvPr id="10" name="TextBox 9"/>
-          <p:cNvSpPr txBox="1"/>
-          <p:nvPr userDrawn="1"/>
-        </p:nvSpPr>
-        <p:spPr>
-          <a:xfrm>
-            <a:off x="8508989" y="6521337"/>
-            <a:ext cx="3795976" cy="369332"/>
-          </a:xfrm>
-          <a:prstGeom prst="rect">
-            <a:avLst/>
-          </a:prstGeom>
-          <a:noFill/>
-        </p:spPr>
-        <p:txBody>
-          <a:bodyPr wrap="none" rtlCol="0">
-            <a:spAutoFit/>
-          </a:bodyPr>
-          <a:lstStyle/>
-          <a:p>
-            <a:r>
-              <a:rPr lang="en-US" dirty="0">
-                <a:solidFill>
-                  <a:srgbClr val="FFFFFF">
-                    <a:lumMod val="50000"/>
-                  </a:srgbClr>
-                </a:solidFill>
-                <a:latin typeface="Engravers MT" panose="02090707080505020304" pitchFamily="18" charset="0"/>
-              </a:rPr>
-              <a:t>VISHWACLOUDLAB.ORG</a:t>
-            </a:r>
           </a:p>
         </p:txBody>
       </p:sp>
@@ -5433,7 +5175,7 @@
           <a:p>
             <a:fld id="{EC651DDC-3D8E-441D-8B1E-684C450C1B0A}" type="datetimeFigureOut">
               <a:rPr lang="en-US" smtClean="0"/>
-              <a:t>5/2/2020</a:t>
+              <a:t>8/29/2025</a:t>
             </a:fld>
             <a:endParaRPr lang="en-US"/>
           </a:p>
@@ -5792,7 +5534,7 @@
             <a:fld id="{5B03344B-D0D9-437D-8838-1FD1C4F164B7}" type="datetimeFigureOut">
               <a:rPr lang="en-US" smtClean="0"/>
               <a:pPr/>
-              <a:t>5/2/2020</a:t>
+              <a:t>8/29/2025</a:t>
             </a:fld>
             <a:endParaRPr lang="en-US"/>
           </a:p>
@@ -6000,7 +5742,7 @@
             <a:fld id="{5B03344B-D0D9-437D-8838-1FD1C4F164B7}" type="datetimeFigureOut">
               <a:rPr lang="en-US" smtClean="0"/>
               <a:pPr/>
-              <a:t>5/2/2020</a:t>
+              <a:t>8/29/2025</a:t>
             </a:fld>
             <a:endParaRPr lang="en-US"/>
           </a:p>
@@ -6046,42 +5788,6 @@
               <a:t>‹#›</a:t>
             </a:fld>
             <a:endParaRPr lang="en-US"/>
-          </a:p>
-        </p:txBody>
-      </p:sp>
-      <p:sp>
-        <p:nvSpPr>
-          <p:cNvPr id="7" name="TextBox 6"/>
-          <p:cNvSpPr txBox="1"/>
-          <p:nvPr userDrawn="1"/>
-        </p:nvSpPr>
-        <p:spPr>
-          <a:xfrm>
-            <a:off x="8508989" y="6521337"/>
-            <a:ext cx="3795976" cy="369332"/>
-          </a:xfrm>
-          <a:prstGeom prst="rect">
-            <a:avLst/>
-          </a:prstGeom>
-          <a:noFill/>
-        </p:spPr>
-        <p:txBody>
-          <a:bodyPr wrap="none" rtlCol="0">
-            <a:spAutoFit/>
-          </a:bodyPr>
-          <a:lstStyle/>
-          <a:p>
-            <a:r>
-              <a:rPr lang="en-US" dirty="0">
-                <a:solidFill>
-                  <a:srgbClr val="FFFFFF">
-                    <a:lumMod val="50000"/>
-                  </a:srgbClr>
-                </a:solidFill>
-                <a:latin typeface="Engravers MT" panose="02090707080505020304" pitchFamily="18" charset="0"/>
-              </a:rPr>
-              <a:t>VISHWACLOUDLAB.ORG</a:t>
-            </a:r>
           </a:p>
         </p:txBody>
       </p:sp>
@@ -6296,7 +6002,7 @@
             <a:fld id="{5B03344B-D0D9-437D-8838-1FD1C4F164B7}" type="datetimeFigureOut">
               <a:rPr lang="en-US" smtClean="0"/>
               <a:pPr/>
-              <a:t>5/2/2020</a:t>
+              <a:t>8/29/2025</a:t>
             </a:fld>
             <a:endParaRPr lang="en-US"/>
           </a:p>
@@ -6782,7 +6488,7 @@
           <a:p>
             <a:fld id="{EC651DDC-3D8E-441D-8B1E-684C450C1B0A}" type="datetimeFigureOut">
               <a:rPr lang="en-US" smtClean="0"/>
-              <a:t>5/2/2020</a:t>
+              <a:t>8/29/2025</a:t>
             </a:fld>
             <a:endParaRPr lang="en-US"/>
           </a:p>
@@ -7011,7 +6717,7 @@
           <a:p>
             <a:fld id="{EC651DDC-3D8E-441D-8B1E-684C450C1B0A}" type="datetimeFigureOut">
               <a:rPr lang="en-US" smtClean="0"/>
-              <a:t>5/2/2020</a:t>
+              <a:t>8/29/2025</a:t>
             </a:fld>
             <a:endParaRPr lang="en-US"/>
           </a:p>
@@ -7375,7 +7081,7 @@
           <a:p>
             <a:fld id="{EC651DDC-3D8E-441D-8B1E-684C450C1B0A}" type="datetimeFigureOut">
               <a:rPr lang="en-US" smtClean="0"/>
-              <a:t>5/2/2020</a:t>
+              <a:t>8/29/2025</a:t>
             </a:fld>
             <a:endParaRPr lang="en-US"/>
           </a:p>
@@ -7492,7 +7198,7 @@
           <a:p>
             <a:fld id="{EC651DDC-3D8E-441D-8B1E-684C450C1B0A}" type="datetimeFigureOut">
               <a:rPr lang="en-US" smtClean="0"/>
-              <a:t>5/2/2020</a:t>
+              <a:t>8/29/2025</a:t>
             </a:fld>
             <a:endParaRPr lang="en-US"/>
           </a:p>
@@ -7587,7 +7293,7 @@
           <a:p>
             <a:fld id="{EC651DDC-3D8E-441D-8B1E-684C450C1B0A}" type="datetimeFigureOut">
               <a:rPr lang="en-US" smtClean="0"/>
-              <a:t>5/2/2020</a:t>
+              <a:t>8/29/2025</a:t>
             </a:fld>
             <a:endParaRPr lang="en-US"/>
           </a:p>
@@ -7862,7 +7568,7 @@
           <a:p>
             <a:fld id="{EC651DDC-3D8E-441D-8B1E-684C450C1B0A}" type="datetimeFigureOut">
               <a:rPr lang="en-US" smtClean="0"/>
-              <a:t>5/2/2020</a:t>
+              <a:t>8/29/2025</a:t>
             </a:fld>
             <a:endParaRPr lang="en-US"/>
           </a:p>
@@ -8114,7 +7820,7 @@
           <a:p>
             <a:fld id="{EC651DDC-3D8E-441D-8B1E-684C450C1B0A}" type="datetimeFigureOut">
               <a:rPr lang="en-US" smtClean="0"/>
-              <a:t>5/2/2020</a:t>
+              <a:t>8/29/2025</a:t>
             </a:fld>
             <a:endParaRPr lang="en-US"/>
           </a:p>
@@ -8325,7 +8031,7 @@
           <a:p>
             <a:fld id="{EC651DDC-3D8E-441D-8B1E-684C450C1B0A}" type="datetimeFigureOut">
               <a:rPr lang="en-US" smtClean="0"/>
-              <a:t>5/2/2020</a:t>
+              <a:t>8/29/2025</a:t>
             </a:fld>
             <a:endParaRPr lang="en-US"/>
           </a:p>
@@ -8894,7 +8600,7 @@
             <a:fld id="{5B03344B-D0D9-437D-8838-1FD1C4F164B7}" type="datetimeFigureOut">
               <a:rPr lang="en-US" smtClean="0"/>
               <a:pPr/>
-              <a:t>5/2/2020</a:t>
+              <a:t>8/29/2025</a:t>
             </a:fld>
             <a:endParaRPr lang="en-US"/>
           </a:p>
@@ -9449,23 +9155,6 @@
               </a:rPr>
               <a:t> m s</a:t>
             </a:r>
-          </a:p>
-          <a:p>
-            <a:r>
-              <a:rPr lang="en-US" b="1">
-                <a:solidFill>
-                  <a:srgbClr val="0070C0"/>
-                </a:solidFill>
-                <a:latin typeface="Arial Rounded MT Bold" panose="020F0704030504030204" pitchFamily="34" charset="0"/>
-              </a:rPr>
-              <a:t>VISHWACLOUDLAB.com</a:t>
-            </a:r>
-            <a:endParaRPr lang="en-US" b="1" dirty="0">
-              <a:solidFill>
-                <a:srgbClr val="0070C0"/>
-              </a:solidFill>
-              <a:latin typeface="Arial Rounded MT Bold" panose="020F0704030504030204" pitchFamily="34" charset="0"/>
-            </a:endParaRPr>
           </a:p>
         </p:txBody>
       </p:sp>
